--- a/Documentation/Präsentation_PSMG 4.7.pptx
+++ b/Documentation/Präsentation_PSMG 4.7.pptx
@@ -20,21 +20,21 @@
   <p:notesSz cx="6858000" cy="9144000"/>
   <p:embeddedFontLst>
     <p:embeddedFont>
-      <p:font typeface="Century Gothic" panose="020B0502020202020204" pitchFamily="34" charset="0"/>
+      <p:font typeface="Calibri" panose="020F0502020204030204" pitchFamily="34" charset="0"/>
       <p:regular r:id="rId10"/>
       <p:bold r:id="rId11"/>
       <p:italic r:id="rId12"/>
       <p:boldItalic r:id="rId13"/>
     </p:embeddedFont>
     <p:embeddedFont>
-      <p:font typeface="Verdana" panose="020B0604030504040204" pitchFamily="34" charset="0"/>
+      <p:font typeface="Century Gothic" panose="020B0502020202020204" pitchFamily="34" charset="0"/>
       <p:regular r:id="rId14"/>
       <p:bold r:id="rId15"/>
       <p:italic r:id="rId16"/>
       <p:boldItalic r:id="rId17"/>
     </p:embeddedFont>
     <p:embeddedFont>
-      <p:font typeface="Calibri" panose="020F0502020204030204" pitchFamily="34" charset="0"/>
+      <p:font typeface="Verdana" panose="020B0604030504040204" pitchFamily="34" charset="0"/>
       <p:regular r:id="rId18"/>
       <p:bold r:id="rId19"/>
       <p:italic r:id="rId20"/>
@@ -243,6 +243,11 @@
       </a:defRPr>
     </a:lvl9pPr>
   </p:defaultTextStyle>
+  <p:extLst>
+    <p:ext uri="{EFAFB233-063F-42B5-8137-9DF3F51BA10A}">
+      <p15:sldGuideLst xmlns:p15="http://schemas.microsoft.com/office/powerpoint/2012/main"/>
+    </p:ext>
+  </p:extLst>
 </p:presentation>
 </file>
 
@@ -4678,7 +4683,7 @@
         </p:nvSpPr>
         <p:spPr>
           <a:xfrm>
-            <a:off x="1446663" y="2715904"/>
+            <a:off x="1446663" y="2674961"/>
             <a:ext cx="9935570" cy="3631763"/>
           </a:xfrm>
           <a:prstGeom prst="rect">
@@ -4796,8 +4801,13 @@
             </a:pPr>
             <a:r>
               <a:rPr lang="de-DE" sz="1800" dirty="0" smtClean="0"/>
-              <a:t>Steuerung + Kamera implementiert?</a:t>
+              <a:t>Steuerung + Kamera </a:t>
             </a:r>
+            <a:r>
+              <a:rPr lang="de-DE" sz="1800" dirty="0" smtClean="0"/>
+              <a:t>implementiert</a:t>
+            </a:r>
+            <a:endParaRPr lang="de-DE" sz="1800" dirty="0" smtClean="0"/>
           </a:p>
           <a:p>
             <a:pPr marL="285750" indent="-285750">
@@ -5529,7 +5539,7 @@
         <p:spPr>
           <a:xfrm>
             <a:off x="1446663" y="2715904"/>
-            <a:ext cx="9935570" cy="2031325"/>
+            <a:ext cx="9935570" cy="2585323"/>
           </a:xfrm>
           <a:prstGeom prst="rect">
             <a:avLst/>
@@ -5601,6 +5611,27 @@
               <a:buFont typeface="Arial" panose="020B0604020202020204" pitchFamily="34" charset="0"/>
               <a:buChar char="•"/>
             </a:pPr>
+            <a:r>
+              <a:rPr lang="de-DE" sz="1800" dirty="0" smtClean="0"/>
+              <a:t>Soundeffekte einbinden </a:t>
+            </a:r>
+          </a:p>
+          <a:p>
+            <a:pPr marL="285750" indent="-285750">
+              <a:buFont typeface="Arial" panose="020B0604020202020204" pitchFamily="34" charset="0"/>
+              <a:buChar char="•"/>
+            </a:pPr>
+            <a:endParaRPr lang="de-DE" sz="1800" dirty="0"/>
+          </a:p>
+          <a:p>
+            <a:pPr marL="285750" indent="-285750">
+              <a:buFont typeface="Arial" panose="020B0604020202020204" pitchFamily="34" charset="0"/>
+              <a:buChar char="•"/>
+            </a:pPr>
+            <a:r>
+              <a:rPr lang="de-DE" sz="1800" dirty="0" smtClean="0"/>
+              <a:t>Lebensanzeige</a:t>
+            </a:r>
             <a:endParaRPr lang="de-DE" sz="1800" dirty="0" smtClean="0"/>
           </a:p>
         </p:txBody>
